--- a/plane_crash_presentation_Rob.pptx
+++ b/plane_crash_presentation_Rob.pptx
@@ -7390,7 +7390,7 @@
             </a:r>
             <a:r>
               <a:rPr lang="en-US" sz="1600" dirty="0"/>
-              <a:t>() method in the Summary of Events data content to find common vocabulary after reading through a few examples.  </a:t>
+              <a:t>() method in the Summary of Events data to find common vocabulary after reading through a few examples.  </a:t>
             </a:r>
           </a:p>
           <a:p>
@@ -7469,16 +7469,22 @@
           <a:lstStyle/>
           <a:p>
             <a:r>
-              <a:rPr lang="en-AU" sz="1400" dirty="0"/>
+              <a:rPr lang="en-AU" sz="1400" dirty="0">
+                <a:latin typeface="Trebuchet MS (Body)"/>
+              </a:rPr>
               <a:t>This bar chart shows the number of accidents in which “poor weather”, “weather”, “fog", "ice” and “wind were mentioned in the reasons for the crash.</a:t>
             </a:r>
           </a:p>
           <a:p>
-            <a:endParaRPr lang="en-AU" sz="1400" dirty="0"/>
-          </a:p>
-          <a:p>
-            <a:r>
-              <a:rPr lang="en-AU" sz="1400" dirty="0"/>
+            <a:endParaRPr lang="en-AU" sz="1400" dirty="0">
+              <a:latin typeface="Trebuchet MS (Body)"/>
+            </a:endParaRPr>
+          </a:p>
+          <a:p>
+            <a:r>
+              <a:rPr lang="en-AU" sz="1400" dirty="0">
+                <a:latin typeface="Trebuchet MS (Body)"/>
+              </a:rPr>
               <a:t>Weather was mentioned 141 times for 1101 flights that crashed. This was split into fog (74), ice (98) and wind (65) as well as “poor weather” (58).</a:t>
             </a:r>
           </a:p>
@@ -7588,8 +7594,8 @@
         </p:blipFill>
         <p:spPr>
           <a:xfrm>
-            <a:off x="503636" y="2396258"/>
-            <a:ext cx="6080038" cy="3504921"/>
+            <a:off x="503636" y="1857080"/>
+            <a:ext cx="6080038" cy="4044099"/>
           </a:xfrm>
           <a:prstGeom prst="rect">
             <a:avLst/>
@@ -7610,7 +7616,7 @@
         </p:nvSpPr>
         <p:spPr>
           <a:xfrm>
-            <a:off x="6504494" y="2978869"/>
+            <a:off x="6513921" y="2790333"/>
             <a:ext cx="4363737" cy="2677656"/>
           </a:xfrm>
           <a:prstGeom prst="rect">
@@ -7750,8 +7756,8 @@
         </p:blipFill>
         <p:spPr>
           <a:xfrm>
-            <a:off x="456006" y="2659117"/>
-            <a:ext cx="5475152" cy="3250795"/>
+            <a:off x="456006" y="2073897"/>
+            <a:ext cx="5475152" cy="3836015"/>
           </a:xfrm>
         </p:spPr>
       </p:pic>
@@ -7769,7 +7775,7 @@
         </p:nvSpPr>
         <p:spPr>
           <a:xfrm>
-            <a:off x="6009372" y="2880708"/>
+            <a:off x="5931158" y="2355093"/>
             <a:ext cx="4406375" cy="3554819"/>
           </a:xfrm>
           <a:prstGeom prst="rect">

--- a/plane_crash_presentation_Rob.pptx
+++ b/plane_crash_presentation_Rob.pptx
@@ -7919,11 +7919,46 @@
         </p:blipFill>
         <p:spPr>
           <a:xfrm>
-            <a:off x="1417684" y="1779588"/>
-            <a:ext cx="7115967" cy="3881437"/>
+            <a:off x="295895" y="1995358"/>
+            <a:ext cx="6415606" cy="3499422"/>
           </a:xfrm>
         </p:spPr>
       </p:pic>
+      <p:sp>
+        <p:nvSpPr>
+          <p:cNvPr id="3" name="TextBox 2">
+            <a:extLst>
+              <a:ext uri="{FF2B5EF4-FFF2-40B4-BE49-F238E27FC236}">
+                <a16:creationId xmlns:a16="http://schemas.microsoft.com/office/drawing/2014/main" id="{97C318EA-AB4D-7533-4FE4-36D345659686}"/>
+              </a:ext>
+            </a:extLst>
+          </p:cNvPr>
+          <p:cNvSpPr txBox="1"/>
+          <p:nvPr/>
+        </p:nvSpPr>
+        <p:spPr>
+          <a:xfrm>
+            <a:off x="6938127" y="2397947"/>
+            <a:ext cx="2828041" cy="1169551"/>
+          </a:xfrm>
+          <a:prstGeom prst="rect">
+            <a:avLst/>
+          </a:prstGeom>
+          <a:noFill/>
+        </p:spPr>
+        <p:txBody>
+          <a:bodyPr wrap="square" rtlCol="0">
+            <a:spAutoFit/>
+          </a:bodyPr>
+          <a:lstStyle/>
+          <a:p>
+            <a:r>
+              <a:rPr lang="en-AU" sz="1400" dirty="0"/>
+              <a:t>This graph shows the number of total plane crashes per year between 1991-2020. This shows a trend of aeroplanes becoming safer over the last 30 years. </a:t>
+            </a:r>
+          </a:p>
+        </p:txBody>
+      </p:sp>
     </p:spTree>
     <p:extLst>
       <p:ext uri="{BB962C8B-B14F-4D97-AF65-F5344CB8AC3E}">

--- a/plane_crash_presentation_Rob.pptx
+++ b/plane_crash_presentation_Rob.pptx
@@ -855,7 +855,7 @@
           <a:p>
             <a:fld id="{AD579C85-AEB8-458A-8F52-6C2E60381BFF}" type="datetimeFigureOut">
               <a:rPr lang="en-AU" smtClean="0"/>
-              <a:t>26/06/2022</a:t>
+              <a:t>27/06/2022</a:t>
             </a:fld>
             <a:endParaRPr lang="en-AU"/>
           </a:p>
@@ -1106,7 +1106,7 @@
           <a:p>
             <a:fld id="{AD579C85-AEB8-458A-8F52-6C2E60381BFF}" type="datetimeFigureOut">
               <a:rPr lang="en-AU" smtClean="0"/>
-              <a:t>26/06/2022</a:t>
+              <a:t>27/06/2022</a:t>
             </a:fld>
             <a:endParaRPr lang="en-AU"/>
           </a:p>
@@ -1420,7 +1420,7 @@
           <a:p>
             <a:fld id="{AD579C85-AEB8-458A-8F52-6C2E60381BFF}" type="datetimeFigureOut">
               <a:rPr lang="en-AU" smtClean="0"/>
-              <a:t>26/06/2022</a:t>
+              <a:t>27/06/2022</a:t>
             </a:fld>
             <a:endParaRPr lang="en-AU"/>
           </a:p>
@@ -1761,7 +1761,7 @@
           <a:p>
             <a:fld id="{AD579C85-AEB8-458A-8F52-6C2E60381BFF}" type="datetimeFigureOut">
               <a:rPr lang="en-AU" smtClean="0"/>
-              <a:t>26/06/2022</a:t>
+              <a:t>27/06/2022</a:t>
             </a:fld>
             <a:endParaRPr lang="en-AU"/>
           </a:p>
@@ -2075,7 +2075,7 @@
           <a:p>
             <a:fld id="{AD579C85-AEB8-458A-8F52-6C2E60381BFF}" type="datetimeFigureOut">
               <a:rPr lang="en-AU" smtClean="0"/>
-              <a:t>26/06/2022</a:t>
+              <a:t>27/06/2022</a:t>
             </a:fld>
             <a:endParaRPr lang="en-AU"/>
           </a:p>
@@ -2468,7 +2468,7 @@
           <a:p>
             <a:fld id="{AD579C85-AEB8-458A-8F52-6C2E60381BFF}" type="datetimeFigureOut">
               <a:rPr lang="en-AU" smtClean="0"/>
-              <a:t>26/06/2022</a:t>
+              <a:t>27/06/2022</a:t>
             </a:fld>
             <a:endParaRPr lang="en-AU"/>
           </a:p>
@@ -2638,7 +2638,7 @@
           <a:p>
             <a:fld id="{AD579C85-AEB8-458A-8F52-6C2E60381BFF}" type="datetimeFigureOut">
               <a:rPr lang="en-AU" smtClean="0"/>
-              <a:t>26/06/2022</a:t>
+              <a:t>27/06/2022</a:t>
             </a:fld>
             <a:endParaRPr lang="en-AU"/>
           </a:p>
@@ -2818,7 +2818,7 @@
           <a:p>
             <a:fld id="{AD579C85-AEB8-458A-8F52-6C2E60381BFF}" type="datetimeFigureOut">
               <a:rPr lang="en-AU" smtClean="0"/>
-              <a:t>26/06/2022</a:t>
+              <a:t>27/06/2022</a:t>
             </a:fld>
             <a:endParaRPr lang="en-AU"/>
           </a:p>
@@ -2994,7 +2994,7 @@
           <a:p>
             <a:fld id="{AD579C85-AEB8-458A-8F52-6C2E60381BFF}" type="datetimeFigureOut">
               <a:rPr lang="en-AU" smtClean="0"/>
-              <a:t>26/06/2022</a:t>
+              <a:t>27/06/2022</a:t>
             </a:fld>
             <a:endParaRPr lang="en-AU"/>
           </a:p>
@@ -3241,7 +3241,7 @@
           <a:p>
             <a:fld id="{AD579C85-AEB8-458A-8F52-6C2E60381BFF}" type="datetimeFigureOut">
               <a:rPr lang="en-AU" smtClean="0"/>
-              <a:t>26/06/2022</a:t>
+              <a:t>27/06/2022</a:t>
             </a:fld>
             <a:endParaRPr lang="en-AU"/>
           </a:p>
@@ -3473,7 +3473,7 @@
           <a:p>
             <a:fld id="{AD579C85-AEB8-458A-8F52-6C2E60381BFF}" type="datetimeFigureOut">
               <a:rPr lang="en-AU" smtClean="0"/>
-              <a:t>26/06/2022</a:t>
+              <a:t>27/06/2022</a:t>
             </a:fld>
             <a:endParaRPr lang="en-AU"/>
           </a:p>
@@ -3847,7 +3847,7 @@
           <a:p>
             <a:fld id="{AD579C85-AEB8-458A-8F52-6C2E60381BFF}" type="datetimeFigureOut">
               <a:rPr lang="en-AU" smtClean="0"/>
-              <a:t>26/06/2022</a:t>
+              <a:t>27/06/2022</a:t>
             </a:fld>
             <a:endParaRPr lang="en-AU"/>
           </a:p>
@@ -3970,7 +3970,7 @@
           <a:p>
             <a:fld id="{AD579C85-AEB8-458A-8F52-6C2E60381BFF}" type="datetimeFigureOut">
               <a:rPr lang="en-AU" smtClean="0"/>
-              <a:t>26/06/2022</a:t>
+              <a:t>27/06/2022</a:t>
             </a:fld>
             <a:endParaRPr lang="en-AU"/>
           </a:p>
@@ -4065,7 +4065,7 @@
           <a:p>
             <a:fld id="{AD579C85-AEB8-458A-8F52-6C2E60381BFF}" type="datetimeFigureOut">
               <a:rPr lang="en-AU" smtClean="0"/>
-              <a:t>26/06/2022</a:t>
+              <a:t>27/06/2022</a:t>
             </a:fld>
             <a:endParaRPr lang="en-AU"/>
           </a:p>
@@ -4320,7 +4320,7 @@
           <a:p>
             <a:fld id="{AD579C85-AEB8-458A-8F52-6C2E60381BFF}" type="datetimeFigureOut">
               <a:rPr lang="en-AU" smtClean="0"/>
-              <a:t>26/06/2022</a:t>
+              <a:t>27/06/2022</a:t>
             </a:fld>
             <a:endParaRPr lang="en-AU"/>
           </a:p>
@@ -4583,7 +4583,7 @@
           <a:p>
             <a:fld id="{AD579C85-AEB8-458A-8F52-6C2E60381BFF}" type="datetimeFigureOut">
               <a:rPr lang="en-AU" smtClean="0"/>
-              <a:t>26/06/2022</a:t>
+              <a:t>27/06/2022</a:t>
             </a:fld>
             <a:endParaRPr lang="en-AU"/>
           </a:p>
@@ -5326,7 +5326,7 @@
           <a:p>
             <a:fld id="{AD579C85-AEB8-458A-8F52-6C2E60381BFF}" type="datetimeFigureOut">
               <a:rPr lang="en-AU" smtClean="0"/>
-              <a:t>26/06/2022</a:t>
+              <a:t>27/06/2022</a:t>
             </a:fld>
             <a:endParaRPr lang="en-AU"/>
           </a:p>
@@ -6025,7 +6025,7 @@
         </p:spPr>
         <p:txBody>
           <a:bodyPr>
-            <a:normAutofit fontScale="92500"/>
+            <a:normAutofit fontScale="92500" lnSpcReduction="10000"/>
           </a:bodyPr>
           <a:lstStyle/>
           <a:p>
@@ -6097,6 +6097,19 @@
             <a:pPr marL="0" indent="0">
               <a:buNone/>
             </a:pPr>
+            <a:r>
+              <a:rPr lang="en-AU" sz="1600" dirty="0"/>
+              <a:t>Data Source:</a:t>
+            </a:r>
+          </a:p>
+          <a:p>
+            <a:pPr marL="0" indent="0">
+              <a:buNone/>
+            </a:pPr>
+            <a:r>
+              <a:rPr lang="en-US" sz="1600" dirty="0"/>
+              <a:t>Kaggle Datasets, “Airplane Crash Data Since 1908”, sourced from http://www.planecrashinfo.com</a:t>
+            </a:r>
             <a:endParaRPr lang="en-AU" sz="1600" dirty="0"/>
           </a:p>
           <a:p>
